--- a/01.Lessions/03-Database-Design-Concept/03-Database-Design-Concept.pptx
+++ b/01.Lessions/03-Database-Design-Concept/03-Database-Design-Concept.pptx
@@ -34,6 +34,7 @@
     <p:sldId id="290" r:id="rId28"/>
     <p:sldId id="295" r:id="rId29"/>
     <p:sldId id="296" r:id="rId30"/>
+    <p:sldId id="305" r:id="rId31"/>
   </p:sldIdLst>
   <p:sldSz cx="9144000" cy="6858000" type="screen4x3"/>
   <p:notesSz cx="6858000" cy="9144000"/>
@@ -576,6 +577,267 @@
 </p:sldLayout>
 </file>
 
+<file path=ppt/slideLayouts/slideLayout4.xml><?xml version="1.0" encoding="utf-8"?>
+<p:sldLayout xmlns:a="http://schemas.openxmlformats.org/drawingml/2006/main" xmlns:r="http://schemas.openxmlformats.org/officeDocument/2006/relationships" xmlns:p="http://schemas.openxmlformats.org/presentationml/2006/main" userDrawn="1">
+  <p:cSld name="4_Title Slide">
+    <p:spTree>
+      <p:nvGrpSpPr>
+        <p:cNvPr id="1" name=""/>
+        <p:cNvGrpSpPr/>
+        <p:nvPr/>
+      </p:nvGrpSpPr>
+      <p:grpSpPr>
+        <a:xfrm>
+          <a:off x="0" y="0"/>
+          <a:ext cx="0" cy="0"/>
+          <a:chOff x="0" y="0"/>
+          <a:chExt cx="0" cy="0"/>
+        </a:xfrm>
+      </p:grpSpPr>
+      <p:sp>
+        <p:nvSpPr>
+          <p:cNvPr id="4" name="Rectangle 3"/>
+          <p:cNvSpPr/>
+          <p:nvPr userDrawn="1"/>
+        </p:nvSpPr>
+        <p:spPr>
+          <a:xfrm>
+            <a:off x="0" y="1865014"/>
+            <a:ext cx="9144000" cy="4992986"/>
+          </a:xfrm>
+          <a:prstGeom prst="rect">
+            <a:avLst/>
+          </a:prstGeom>
+          <a:solidFill>
+            <a:schemeClr val="accent5">
+              <a:lumMod val="75000"/>
+            </a:schemeClr>
+          </a:solidFill>
+        </p:spPr>
+        <p:style>
+          <a:lnRef idx="2">
+            <a:schemeClr val="accent1">
+              <a:shade val="50000"/>
+            </a:schemeClr>
+          </a:lnRef>
+          <a:fillRef idx="1">
+            <a:schemeClr val="accent1"/>
+          </a:fillRef>
+          <a:effectRef idx="0">
+            <a:schemeClr val="accent1"/>
+          </a:effectRef>
+          <a:fontRef idx="minor">
+            <a:schemeClr val="lt1"/>
+          </a:fontRef>
+        </p:style>
+        <p:txBody>
+          <a:bodyPr rtlCol="0" anchor="ctr"/>
+          <a:lstStyle/>
+          <a:p>
+            <a:pPr algn="ctr"/>
+            <a:endParaRPr lang="en-US"/>
+          </a:p>
+        </p:txBody>
+      </p:sp>
+      <p:sp>
+        <p:nvSpPr>
+          <p:cNvPr id="8" name="Title 7"/>
+          <p:cNvSpPr>
+            <a:spLocks noGrp="1"/>
+          </p:cNvSpPr>
+          <p:nvPr>
+            <p:ph type="title"/>
+          </p:nvPr>
+        </p:nvSpPr>
+        <p:spPr>
+          <a:xfrm>
+            <a:off x="813592" y="677010"/>
+            <a:ext cx="7886700" cy="535531"/>
+          </a:xfrm>
+          <a:noFill/>
+        </p:spPr>
+        <p:txBody>
+          <a:bodyPr wrap="square" rtlCol="0">
+            <a:spAutoFit/>
+          </a:bodyPr>
+          <a:lstStyle>
+            <a:lvl1pPr>
+              <a:defRPr lang="en-US" sz="3200" b="1">
+                <a:solidFill>
+                  <a:schemeClr val="accent5">
+                    <a:lumMod val="75000"/>
+                  </a:schemeClr>
+                </a:solidFill>
+                <a:latin typeface="+mn-lt"/>
+                <a:ea typeface="+mn-ea"/>
+                <a:cs typeface="+mn-cs"/>
+              </a:defRPr>
+            </a:lvl1pPr>
+          </a:lstStyle>
+          <a:p>
+            <a:pPr marL="0" lvl="0"/>
+            <a:r>
+              <a:rPr lang="en-US" smtClean="0"/>
+              <a:t>Click to edit Master title style</a:t>
+            </a:r>
+            <a:endParaRPr lang="en-US"/>
+          </a:p>
+        </p:txBody>
+      </p:sp>
+      <p:sp>
+        <p:nvSpPr>
+          <p:cNvPr id="13" name="Text Placeholder 12"/>
+          <p:cNvSpPr>
+            <a:spLocks noGrp="1"/>
+          </p:cNvSpPr>
+          <p:nvPr>
+            <p:ph type="body" sz="quarter" idx="10"/>
+          </p:nvPr>
+        </p:nvSpPr>
+        <p:spPr>
+          <a:xfrm>
+            <a:off x="830526" y="1229475"/>
+            <a:ext cx="7751762" cy="346075"/>
+          </a:xfrm>
+          <a:noFill/>
+        </p:spPr>
+        <p:txBody>
+          <a:bodyPr wrap="square" rtlCol="0">
+            <a:spAutoFit/>
+          </a:bodyPr>
+          <a:lstStyle>
+            <a:lvl1pPr marL="0" indent="0">
+              <a:buNone/>
+              <a:defRPr lang="en-US" sz="1800" dirty="0">
+                <a:solidFill>
+                  <a:schemeClr val="accent5">
+                    <a:lumMod val="75000"/>
+                  </a:schemeClr>
+                </a:solidFill>
+              </a:defRPr>
+            </a:lvl1pPr>
+          </a:lstStyle>
+          <a:p>
+            <a:pPr marL="0" lvl="0"/>
+            <a:r>
+              <a:rPr lang="en-US" dirty="0" smtClean="0"/>
+              <a:t>Edit Master text styles</a:t>
+            </a:r>
+            <a:endParaRPr lang="en-US" dirty="0"/>
+          </a:p>
+        </p:txBody>
+      </p:sp>
+      <p:sp>
+        <p:nvSpPr>
+          <p:cNvPr id="14" name="Round Same Side Corner Rectangle 13"/>
+          <p:cNvSpPr/>
+          <p:nvPr userDrawn="1"/>
+        </p:nvSpPr>
+        <p:spPr>
+          <a:xfrm rot="16200000">
+            <a:off x="7941735" y="-618112"/>
+            <a:ext cx="372534" cy="2032003"/>
+          </a:xfrm>
+          <a:prstGeom prst="round2SameRect">
+            <a:avLst/>
+          </a:prstGeom>
+          <a:solidFill>
+            <a:schemeClr val="accent3">
+              <a:lumMod val="20000"/>
+              <a:lumOff val="80000"/>
+            </a:schemeClr>
+          </a:solidFill>
+          <a:ln>
+            <a:noFill/>
+          </a:ln>
+        </p:spPr>
+        <p:style>
+          <a:lnRef idx="2">
+            <a:schemeClr val="accent1">
+              <a:shade val="50000"/>
+            </a:schemeClr>
+          </a:lnRef>
+          <a:fillRef idx="1">
+            <a:schemeClr val="accent1"/>
+          </a:fillRef>
+          <a:effectRef idx="0">
+            <a:schemeClr val="accent1"/>
+          </a:effectRef>
+          <a:fontRef idx="minor">
+            <a:schemeClr val="lt1"/>
+          </a:fontRef>
+        </p:style>
+        <p:txBody>
+          <a:bodyPr rtlCol="0" anchor="ctr"/>
+          <a:lstStyle/>
+          <a:p>
+            <a:pPr algn="ctr"/>
+            <a:endParaRPr lang="en-US"/>
+          </a:p>
+        </p:txBody>
+      </p:sp>
+      <p:sp>
+        <p:nvSpPr>
+          <p:cNvPr id="15" name="TextBox 14"/>
+          <p:cNvSpPr txBox="1"/>
+          <p:nvPr userDrawn="1"/>
+        </p:nvSpPr>
+        <p:spPr>
+          <a:xfrm>
+            <a:off x="7196667" y="256317"/>
+            <a:ext cx="1786467" cy="276999"/>
+          </a:xfrm>
+          <a:prstGeom prst="rect">
+            <a:avLst/>
+          </a:prstGeom>
+          <a:noFill/>
+        </p:spPr>
+        <p:txBody>
+          <a:bodyPr wrap="square" rtlCol="0">
+            <a:spAutoFit/>
+          </a:bodyPr>
+          <a:lstStyle/>
+          <a:p>
+            <a:r>
+              <a:rPr lang="en-US" sz="1200" i="1" dirty="0" smtClean="0">
+                <a:solidFill>
+                  <a:schemeClr val="accent5">
+                    <a:lumMod val="75000"/>
+                  </a:schemeClr>
+                </a:solidFill>
+              </a:rPr>
+              <a:t>aptech-danang.edu.vn</a:t>
+            </a:r>
+            <a:endParaRPr lang="en-US" sz="1200" i="1" dirty="0">
+              <a:solidFill>
+                <a:schemeClr val="accent5">
+                  <a:lumMod val="75000"/>
+                </a:schemeClr>
+              </a:solidFill>
+            </a:endParaRPr>
+          </a:p>
+        </p:txBody>
+      </p:sp>
+    </p:spTree>
+    <p:extLst>
+      <p:ext uri="{BB962C8B-B14F-4D97-AF65-F5344CB8AC3E}">
+        <p14:creationId xmlns:p14="http://schemas.microsoft.com/office/powerpoint/2010/main" val="2968240251"/>
+      </p:ext>
+    </p:extLst>
+  </p:cSld>
+  <p:clrMapOvr>
+    <a:masterClrMapping/>
+  </p:clrMapOvr>
+  <p:timing>
+    <p:tnLst>
+      <p:par>
+        <p:cTn id="1" dur="indefinite" restart="never" nodeType="tmRoot"/>
+      </p:par>
+    </p:tnLst>
+  </p:timing>
+</p:sldLayout>
+</file>
+
 <file path=ppt/slideMasters/slideMaster1.xml><?xml version="1.0" encoding="utf-8"?>
 <p:sldMaster xmlns:a="http://schemas.openxmlformats.org/drawingml/2006/main" xmlns:r="http://schemas.openxmlformats.org/officeDocument/2006/relationships" xmlns:p="http://schemas.openxmlformats.org/presentationml/2006/main">
   <p:cSld>
@@ -728,7 +990,7 @@
           <a:p>
             <a:fld id="{C764DE79-268F-4C1A-8933-263129D2AF90}" type="datetimeFigureOut">
               <a:rPr lang="en-US" dirty="0"/>
-              <a:t>11/3/2023</a:t>
+              <a:t>11/14/2023</a:t>
             </a:fld>
             <a:endParaRPr lang="en-US" dirty="0"/>
           </a:p>
@@ -824,6 +1086,7 @@
     <p:sldLayoutId id="2147483698" r:id="rId1"/>
     <p:sldLayoutId id="2147483699" r:id="rId2"/>
     <p:sldLayoutId id="2147483700" r:id="rId3"/>
+    <p:sldLayoutId id="2147483701" r:id="rId4"/>
   </p:sldLayoutIdLst>
   <p:timing>
     <p:tnLst>
@@ -1856,11 +2119,6 @@
               </a:rPr>
               <a:t>PostgreSQL</a:t>
             </a:r>
-            <a:endParaRPr lang="en-US" dirty="0">
-              <a:solidFill>
-                <a:schemeClr val="bg1"/>
-              </a:solidFill>
-            </a:endParaRPr>
           </a:p>
         </p:txBody>
       </p:sp>
@@ -1946,7 +2204,6 @@
               <a:rPr lang="en-US" b="1" dirty="0"/>
               <a:t>2</a:t>
             </a:r>
-            <a:endParaRPr lang="en-US" b="1" dirty="0"/>
           </a:p>
         </p:txBody>
       </p:sp>
@@ -3564,13 +3821,6 @@
               </a:rPr>
               <a:t>hàng trong bảng B và ngược lại</a:t>
             </a:r>
-            <a:endParaRPr lang="vi-VN" sz="1600" dirty="0">
-              <a:solidFill>
-                <a:schemeClr val="accent5">
-                  <a:lumMod val="75000"/>
-                </a:schemeClr>
-              </a:solidFill>
-            </a:endParaRPr>
           </a:p>
         </p:txBody>
       </p:sp>
@@ -19146,11 +19396,6 @@
               </a:rPr>
               <a:t>IS NULL</a:t>
             </a:r>
-            <a:endParaRPr lang="en-US" dirty="0">
-              <a:solidFill>
-                <a:srgbClr val="CF51BD"/>
-              </a:solidFill>
-            </a:endParaRPr>
           </a:p>
         </p:txBody>
       </p:sp>
@@ -19330,27 +19575,7 @@
                   </a:schemeClr>
                 </a:solidFill>
               </a:rPr>
-              <a:t>Not Null </a:t>
-            </a:r>
-            <a:r>
-              <a:rPr lang="en-US" b="1" dirty="0" smtClean="0">
-                <a:solidFill>
-                  <a:schemeClr val="accent5">
-                    <a:lumMod val="75000"/>
-                  </a:schemeClr>
-                </a:solidFill>
-              </a:rPr>
-              <a:t>constraint </a:t>
-            </a:r>
-            <a:r>
-              <a:rPr lang="en-US" b="1" dirty="0" smtClean="0">
-                <a:solidFill>
-                  <a:schemeClr val="accent5">
-                    <a:lumMod val="75000"/>
-                  </a:schemeClr>
-                </a:solidFill>
-              </a:rPr>
-              <a:t> </a:t>
+              <a:t>Not Null constraint  </a:t>
             </a:r>
             <a:r>
               <a:rPr lang="en-US" b="1" dirty="0" err="1" smtClean="0">
@@ -20424,13 +20649,6 @@
               </a:rPr>
               <a:t>.</a:t>
             </a:r>
-            <a:endParaRPr lang="en-US" sz="1600" dirty="0">
-              <a:solidFill>
-                <a:schemeClr val="accent5">
-                  <a:lumMod val="75000"/>
-                </a:schemeClr>
-              </a:solidFill>
-            </a:endParaRPr>
           </a:p>
         </p:txBody>
       </p:sp>
@@ -20610,27 +20828,7 @@
                   </a:schemeClr>
                 </a:solidFill>
               </a:rPr>
-              <a:t>Not Null </a:t>
-            </a:r>
-            <a:r>
-              <a:rPr lang="en-US" b="1" dirty="0" smtClean="0">
-                <a:solidFill>
-                  <a:schemeClr val="accent5">
-                    <a:lumMod val="75000"/>
-                  </a:schemeClr>
-                </a:solidFill>
-              </a:rPr>
-              <a:t>constraint </a:t>
-            </a:r>
-            <a:r>
-              <a:rPr lang="en-US" b="1" dirty="0" smtClean="0">
-                <a:solidFill>
-                  <a:schemeClr val="accent5">
-                    <a:lumMod val="75000"/>
-                  </a:schemeClr>
-                </a:solidFill>
-              </a:rPr>
-              <a:t> </a:t>
+              <a:t>Not Null constraint  </a:t>
             </a:r>
             <a:r>
               <a:rPr lang="en-US" b="1" dirty="0" err="1" smtClean="0">
@@ -22506,6 +22704,871 @@
     <p:extLst>
       <p:ext uri="{BB962C8B-B14F-4D97-AF65-F5344CB8AC3E}">
         <p14:creationId xmlns:p14="http://schemas.microsoft.com/office/powerpoint/2010/main" val="1655568416"/>
+      </p:ext>
+    </p:extLst>
+  </p:cSld>
+  <p:clrMapOvr>
+    <a:masterClrMapping/>
+  </p:clrMapOvr>
+  <p:timing>
+    <p:tnLst>
+      <p:par>
+        <p:cTn id="1" dur="indefinite" restart="never" nodeType="tmRoot"/>
+      </p:par>
+    </p:tnLst>
+  </p:timing>
+</p:sld>
+</file>
+
+<file path=ppt/slides/slide30.xml><?xml version="1.0" encoding="utf-8"?>
+<p:sld xmlns:a="http://schemas.openxmlformats.org/drawingml/2006/main" xmlns:r="http://schemas.openxmlformats.org/officeDocument/2006/relationships" xmlns:p="http://schemas.openxmlformats.org/presentationml/2006/main">
+  <p:cSld>
+    <p:spTree>
+      <p:nvGrpSpPr>
+        <p:cNvPr id="1" name=""/>
+        <p:cNvGrpSpPr/>
+        <p:nvPr/>
+      </p:nvGrpSpPr>
+      <p:grpSpPr>
+        <a:xfrm>
+          <a:off x="0" y="0"/>
+          <a:ext cx="0" cy="0"/>
+          <a:chOff x="0" y="0"/>
+          <a:chExt cx="0" cy="0"/>
+        </a:xfrm>
+      </p:grpSpPr>
+      <p:sp>
+        <p:nvSpPr>
+          <p:cNvPr id="8" name="Rounded Rectangle 7"/>
+          <p:cNvSpPr/>
+          <p:nvPr/>
+        </p:nvSpPr>
+        <p:spPr>
+          <a:xfrm>
+            <a:off x="905345" y="2648382"/>
+            <a:ext cx="350005" cy="350005"/>
+          </a:xfrm>
+          <a:prstGeom prst="roundRect">
+            <a:avLst/>
+          </a:prstGeom>
+          <a:solidFill>
+            <a:schemeClr val="bg1"/>
+          </a:solidFill>
+        </p:spPr>
+        <p:style>
+          <a:lnRef idx="2">
+            <a:schemeClr val="accent1">
+              <a:shade val="50000"/>
+            </a:schemeClr>
+          </a:lnRef>
+          <a:fillRef idx="1">
+            <a:schemeClr val="accent1"/>
+          </a:fillRef>
+          <a:effectRef idx="0">
+            <a:schemeClr val="accent1"/>
+          </a:effectRef>
+          <a:fontRef idx="minor">
+            <a:schemeClr val="lt1"/>
+          </a:fontRef>
+        </p:style>
+        <p:txBody>
+          <a:bodyPr rtlCol="0" anchor="ctr"/>
+          <a:lstStyle/>
+          <a:p>
+            <a:pPr algn="ctr"/>
+            <a:r>
+              <a:rPr lang="en-US" b="1" dirty="0" smtClean="0">
+                <a:solidFill>
+                  <a:schemeClr val="accent5">
+                    <a:lumMod val="75000"/>
+                  </a:schemeClr>
+                </a:solidFill>
+              </a:rPr>
+              <a:t>1</a:t>
+            </a:r>
+            <a:endParaRPr lang="en-US" b="1" dirty="0">
+              <a:solidFill>
+                <a:schemeClr val="accent5">
+                  <a:lumMod val="75000"/>
+                </a:schemeClr>
+              </a:solidFill>
+            </a:endParaRPr>
+          </a:p>
+        </p:txBody>
+      </p:sp>
+      <p:sp>
+        <p:nvSpPr>
+          <p:cNvPr id="22" name="TextBox 21"/>
+          <p:cNvSpPr txBox="1"/>
+          <p:nvPr/>
+        </p:nvSpPr>
+        <p:spPr>
+          <a:xfrm>
+            <a:off x="1318725" y="2668485"/>
+            <a:ext cx="6919928" cy="338554"/>
+          </a:xfrm>
+          <a:prstGeom prst="rect">
+            <a:avLst/>
+          </a:prstGeom>
+          <a:noFill/>
+        </p:spPr>
+        <p:txBody>
+          <a:bodyPr wrap="square" rtlCol="0">
+            <a:spAutoFit/>
+          </a:bodyPr>
+          <a:lstStyle/>
+          <a:p>
+            <a:r>
+              <a:rPr lang="en-US" sz="1600" dirty="0" err="1" smtClean="0">
+                <a:solidFill>
+                  <a:schemeClr val="bg1"/>
+                </a:solidFill>
+              </a:rPr>
+              <a:t>Hiểu</a:t>
+            </a:r>
+            <a:r>
+              <a:rPr lang="en-US" sz="1600" dirty="0" smtClean="0">
+                <a:solidFill>
+                  <a:schemeClr val="bg1"/>
+                </a:solidFill>
+              </a:rPr>
+              <a:t> </a:t>
+            </a:r>
+            <a:r>
+              <a:rPr lang="en-US" sz="1600" dirty="0" err="1" smtClean="0">
+                <a:solidFill>
+                  <a:schemeClr val="bg1"/>
+                </a:solidFill>
+              </a:rPr>
+              <a:t>tổng</a:t>
+            </a:r>
+            <a:r>
+              <a:rPr lang="en-US" sz="1600" dirty="0" smtClean="0">
+                <a:solidFill>
+                  <a:schemeClr val="bg1"/>
+                </a:solidFill>
+              </a:rPr>
+              <a:t> </a:t>
+            </a:r>
+            <a:r>
+              <a:rPr lang="en-US" sz="1600" dirty="0" err="1" smtClean="0">
+                <a:solidFill>
+                  <a:schemeClr val="bg1"/>
+                </a:solidFill>
+              </a:rPr>
+              <a:t>quan</a:t>
+            </a:r>
+            <a:r>
+              <a:rPr lang="en-US" sz="1600" dirty="0" smtClean="0">
+                <a:solidFill>
+                  <a:schemeClr val="bg1"/>
+                </a:solidFill>
+              </a:rPr>
+              <a:t> </a:t>
+            </a:r>
+            <a:r>
+              <a:rPr lang="en-US" sz="1600" dirty="0" err="1" smtClean="0">
+                <a:solidFill>
+                  <a:schemeClr val="bg1"/>
+                </a:solidFill>
+              </a:rPr>
+              <a:t>về</a:t>
+            </a:r>
+            <a:r>
+              <a:rPr lang="en-US" sz="1600" dirty="0" smtClean="0">
+                <a:solidFill>
+                  <a:schemeClr val="bg1"/>
+                </a:solidFill>
+              </a:rPr>
+              <a:t> Database Design Concept</a:t>
+            </a:r>
+            <a:endParaRPr lang="en-US" sz="1600" dirty="0">
+              <a:solidFill>
+                <a:schemeClr val="bg1"/>
+              </a:solidFill>
+            </a:endParaRPr>
+          </a:p>
+        </p:txBody>
+      </p:sp>
+      <p:sp>
+        <p:nvSpPr>
+          <p:cNvPr id="17" name="Rounded Rectangle 16"/>
+          <p:cNvSpPr/>
+          <p:nvPr/>
+        </p:nvSpPr>
+        <p:spPr>
+          <a:xfrm>
+            <a:off x="905345" y="3477915"/>
+            <a:ext cx="350005" cy="350005"/>
+          </a:xfrm>
+          <a:prstGeom prst="roundRect">
+            <a:avLst/>
+          </a:prstGeom>
+          <a:solidFill>
+            <a:schemeClr val="bg1"/>
+          </a:solidFill>
+        </p:spPr>
+        <p:style>
+          <a:lnRef idx="2">
+            <a:schemeClr val="accent1">
+              <a:shade val="50000"/>
+            </a:schemeClr>
+          </a:lnRef>
+          <a:fillRef idx="1">
+            <a:schemeClr val="accent1"/>
+          </a:fillRef>
+          <a:effectRef idx="0">
+            <a:schemeClr val="accent1"/>
+          </a:effectRef>
+          <a:fontRef idx="minor">
+            <a:schemeClr val="lt1"/>
+          </a:fontRef>
+        </p:style>
+        <p:txBody>
+          <a:bodyPr rtlCol="0" anchor="ctr"/>
+          <a:lstStyle/>
+          <a:p>
+            <a:pPr algn="ctr"/>
+            <a:r>
+              <a:rPr lang="en-US" b="1" dirty="0">
+                <a:solidFill>
+                  <a:schemeClr val="accent5">
+                    <a:lumMod val="75000"/>
+                  </a:schemeClr>
+                </a:solidFill>
+              </a:rPr>
+              <a:t>2</a:t>
+            </a:r>
+          </a:p>
+        </p:txBody>
+      </p:sp>
+      <p:sp>
+        <p:nvSpPr>
+          <p:cNvPr id="23" name="TextBox 22"/>
+          <p:cNvSpPr txBox="1"/>
+          <p:nvPr/>
+        </p:nvSpPr>
+        <p:spPr>
+          <a:xfrm>
+            <a:off x="1318725" y="3499028"/>
+            <a:ext cx="6919928" cy="338554"/>
+          </a:xfrm>
+          <a:prstGeom prst="rect">
+            <a:avLst/>
+          </a:prstGeom>
+          <a:noFill/>
+        </p:spPr>
+        <p:txBody>
+          <a:bodyPr wrap="square" rtlCol="0">
+            <a:spAutoFit/>
+          </a:bodyPr>
+          <a:lstStyle/>
+          <a:p>
+            <a:r>
+              <a:rPr lang="en-US" sz="1600" dirty="0" err="1" smtClean="0">
+                <a:solidFill>
+                  <a:schemeClr val="bg1"/>
+                </a:solidFill>
+              </a:rPr>
+              <a:t>Hiểu</a:t>
+            </a:r>
+            <a:r>
+              <a:rPr lang="en-US" sz="1600" dirty="0" smtClean="0">
+                <a:solidFill>
+                  <a:schemeClr val="bg1"/>
+                </a:solidFill>
+              </a:rPr>
+              <a:t> </a:t>
+            </a:r>
+            <a:r>
+              <a:rPr lang="en-US" sz="1600" dirty="0" err="1" smtClean="0">
+                <a:solidFill>
+                  <a:schemeClr val="bg1"/>
+                </a:solidFill>
+              </a:rPr>
+              <a:t>được</a:t>
+            </a:r>
+            <a:r>
+              <a:rPr lang="en-US" sz="1600" dirty="0" smtClean="0">
+                <a:solidFill>
+                  <a:schemeClr val="bg1"/>
+                </a:solidFill>
+              </a:rPr>
+              <a:t> </a:t>
+            </a:r>
+            <a:r>
+              <a:rPr lang="en-US" sz="1600" dirty="0" err="1" smtClean="0">
+                <a:solidFill>
+                  <a:schemeClr val="bg1"/>
+                </a:solidFill>
+              </a:rPr>
+              <a:t>các</a:t>
+            </a:r>
+            <a:r>
+              <a:rPr lang="en-US" sz="1600" dirty="0" smtClean="0">
+                <a:solidFill>
+                  <a:schemeClr val="bg1"/>
+                </a:solidFill>
+              </a:rPr>
+              <a:t> </a:t>
+            </a:r>
+            <a:r>
+              <a:rPr lang="en-US" sz="1600" dirty="0" err="1" smtClean="0">
+                <a:solidFill>
+                  <a:schemeClr val="bg1"/>
+                </a:solidFill>
+              </a:rPr>
+              <a:t>kiểu</a:t>
+            </a:r>
+            <a:r>
+              <a:rPr lang="en-US" sz="1600" dirty="0" smtClean="0">
+                <a:solidFill>
+                  <a:schemeClr val="bg1"/>
+                </a:solidFill>
+              </a:rPr>
+              <a:t> </a:t>
+            </a:r>
+            <a:r>
+              <a:rPr lang="en-US" sz="1600" dirty="0" err="1" smtClean="0">
+                <a:solidFill>
+                  <a:schemeClr val="bg1"/>
+                </a:solidFill>
+              </a:rPr>
+              <a:t>quan</a:t>
+            </a:r>
+            <a:r>
+              <a:rPr lang="en-US" sz="1600" dirty="0" smtClean="0">
+                <a:solidFill>
+                  <a:schemeClr val="bg1"/>
+                </a:solidFill>
+              </a:rPr>
+              <a:t> </a:t>
+            </a:r>
+            <a:r>
+              <a:rPr lang="en-US" sz="1600" dirty="0" err="1" smtClean="0">
+                <a:solidFill>
+                  <a:schemeClr val="bg1"/>
+                </a:solidFill>
+              </a:rPr>
+              <a:t>hệ</a:t>
+            </a:r>
+            <a:r>
+              <a:rPr lang="en-US" sz="1600" dirty="0" smtClean="0">
+                <a:solidFill>
+                  <a:schemeClr val="bg1"/>
+                </a:solidFill>
+              </a:rPr>
+              <a:t> </a:t>
+            </a:r>
+            <a:r>
+              <a:rPr lang="en-US" sz="1600" dirty="0" err="1" smtClean="0">
+                <a:solidFill>
+                  <a:schemeClr val="bg1"/>
+                </a:solidFill>
+              </a:rPr>
+              <a:t>giữa</a:t>
+            </a:r>
+            <a:r>
+              <a:rPr lang="en-US" sz="1600" dirty="0" smtClean="0">
+                <a:solidFill>
+                  <a:schemeClr val="bg1"/>
+                </a:solidFill>
+              </a:rPr>
+              <a:t> </a:t>
+            </a:r>
+            <a:r>
+              <a:rPr lang="en-US" sz="1600" dirty="0" err="1" smtClean="0">
+                <a:solidFill>
+                  <a:schemeClr val="bg1"/>
+                </a:solidFill>
+              </a:rPr>
+              <a:t>các</a:t>
+            </a:r>
+            <a:r>
+              <a:rPr lang="en-US" sz="1600" dirty="0" smtClean="0">
+                <a:solidFill>
+                  <a:schemeClr val="bg1"/>
+                </a:solidFill>
+              </a:rPr>
+              <a:t> Tables</a:t>
+            </a:r>
+            <a:endParaRPr lang="en-US" sz="1600" dirty="0">
+              <a:solidFill>
+                <a:schemeClr val="bg1"/>
+              </a:solidFill>
+            </a:endParaRPr>
+          </a:p>
+        </p:txBody>
+      </p:sp>
+      <p:sp>
+        <p:nvSpPr>
+          <p:cNvPr id="19" name="Rounded Rectangle 18"/>
+          <p:cNvSpPr/>
+          <p:nvPr/>
+        </p:nvSpPr>
+        <p:spPr>
+          <a:xfrm>
+            <a:off x="905345" y="4290326"/>
+            <a:ext cx="350005" cy="350005"/>
+          </a:xfrm>
+          <a:prstGeom prst="roundRect">
+            <a:avLst/>
+          </a:prstGeom>
+          <a:solidFill>
+            <a:schemeClr val="bg1"/>
+          </a:solidFill>
+        </p:spPr>
+        <p:style>
+          <a:lnRef idx="2">
+            <a:schemeClr val="accent1">
+              <a:shade val="50000"/>
+            </a:schemeClr>
+          </a:lnRef>
+          <a:fillRef idx="1">
+            <a:schemeClr val="accent1"/>
+          </a:fillRef>
+          <a:effectRef idx="0">
+            <a:schemeClr val="accent1"/>
+          </a:effectRef>
+          <a:fontRef idx="minor">
+            <a:schemeClr val="lt1"/>
+          </a:fontRef>
+        </p:style>
+        <p:txBody>
+          <a:bodyPr rtlCol="0" anchor="ctr"/>
+          <a:lstStyle/>
+          <a:p>
+            <a:pPr algn="ctr"/>
+            <a:r>
+              <a:rPr lang="en-US" b="1" dirty="0">
+                <a:solidFill>
+                  <a:schemeClr val="accent5">
+                    <a:lumMod val="75000"/>
+                  </a:schemeClr>
+                </a:solidFill>
+              </a:rPr>
+              <a:t>3</a:t>
+            </a:r>
+          </a:p>
+        </p:txBody>
+      </p:sp>
+      <p:sp>
+        <p:nvSpPr>
+          <p:cNvPr id="24" name="TextBox 23"/>
+          <p:cNvSpPr txBox="1"/>
+          <p:nvPr/>
+        </p:nvSpPr>
+        <p:spPr>
+          <a:xfrm>
+            <a:off x="1318725" y="4290326"/>
+            <a:ext cx="6919928" cy="338554"/>
+          </a:xfrm>
+          <a:prstGeom prst="rect">
+            <a:avLst/>
+          </a:prstGeom>
+          <a:noFill/>
+        </p:spPr>
+        <p:txBody>
+          <a:bodyPr wrap="square" rtlCol="0">
+            <a:spAutoFit/>
+          </a:bodyPr>
+          <a:lstStyle/>
+          <a:p>
+            <a:r>
+              <a:rPr lang="en-US" sz="1600" dirty="0" err="1" smtClean="0">
+                <a:solidFill>
+                  <a:schemeClr val="bg1"/>
+                </a:solidFill>
+              </a:rPr>
+              <a:t>Hiểu</a:t>
+            </a:r>
+            <a:r>
+              <a:rPr lang="en-US" sz="1600" dirty="0" smtClean="0">
+                <a:solidFill>
+                  <a:schemeClr val="bg1"/>
+                </a:solidFill>
+              </a:rPr>
+              <a:t> </a:t>
+            </a:r>
+            <a:r>
+              <a:rPr lang="en-US" sz="1600" dirty="0" err="1" smtClean="0">
+                <a:solidFill>
+                  <a:schemeClr val="bg1"/>
+                </a:solidFill>
+              </a:rPr>
+              <a:t>được</a:t>
+            </a:r>
+            <a:r>
+              <a:rPr lang="en-US" sz="1600" dirty="0" smtClean="0">
+                <a:solidFill>
+                  <a:schemeClr val="bg1"/>
+                </a:solidFill>
+              </a:rPr>
+              <a:t> </a:t>
+            </a:r>
+            <a:r>
+              <a:rPr lang="en-US" sz="1600" dirty="0" err="1" smtClean="0">
+                <a:solidFill>
+                  <a:schemeClr val="bg1"/>
+                </a:solidFill>
+              </a:rPr>
+              <a:t>thế</a:t>
+            </a:r>
+            <a:r>
+              <a:rPr lang="en-US" sz="1600" dirty="0" smtClean="0">
+                <a:solidFill>
+                  <a:schemeClr val="bg1"/>
+                </a:solidFill>
+              </a:rPr>
+              <a:t> </a:t>
+            </a:r>
+            <a:r>
+              <a:rPr lang="en-US" sz="1600" dirty="0" err="1" smtClean="0">
+                <a:solidFill>
+                  <a:schemeClr val="bg1"/>
+                </a:solidFill>
+              </a:rPr>
+              <a:t>nào</a:t>
+            </a:r>
+            <a:r>
+              <a:rPr lang="en-US" sz="1600" dirty="0" smtClean="0">
+                <a:solidFill>
+                  <a:schemeClr val="bg1"/>
+                </a:solidFill>
+              </a:rPr>
+              <a:t> </a:t>
+            </a:r>
+            <a:r>
+              <a:rPr lang="en-US" sz="1600" dirty="0" err="1" smtClean="0">
+                <a:solidFill>
+                  <a:schemeClr val="bg1"/>
+                </a:solidFill>
+              </a:rPr>
+              <a:t>là</a:t>
+            </a:r>
+            <a:r>
+              <a:rPr lang="en-US" sz="1600" dirty="0" smtClean="0">
+                <a:solidFill>
+                  <a:schemeClr val="bg1"/>
+                </a:solidFill>
+              </a:rPr>
+              <a:t> </a:t>
+            </a:r>
+            <a:r>
+              <a:rPr lang="en-US" sz="1600" dirty="0" err="1" smtClean="0">
+                <a:solidFill>
+                  <a:schemeClr val="bg1"/>
+                </a:solidFill>
+              </a:rPr>
+              <a:t>khóa</a:t>
+            </a:r>
+            <a:r>
+              <a:rPr lang="en-US" sz="1600" dirty="0" smtClean="0">
+                <a:solidFill>
+                  <a:schemeClr val="bg1"/>
+                </a:solidFill>
+              </a:rPr>
+              <a:t> </a:t>
+            </a:r>
+            <a:r>
+              <a:rPr lang="en-US" sz="1600" dirty="0" err="1" smtClean="0">
+                <a:solidFill>
+                  <a:schemeClr val="bg1"/>
+                </a:solidFill>
+              </a:rPr>
+              <a:t>chính</a:t>
+            </a:r>
+            <a:r>
+              <a:rPr lang="en-US" sz="1600" dirty="0" smtClean="0">
+                <a:solidFill>
+                  <a:schemeClr val="bg1"/>
+                </a:solidFill>
+              </a:rPr>
+              <a:t>, </a:t>
+            </a:r>
+            <a:r>
+              <a:rPr lang="en-US" sz="1600" dirty="0" err="1" smtClean="0">
+                <a:solidFill>
+                  <a:schemeClr val="bg1"/>
+                </a:solidFill>
+              </a:rPr>
+              <a:t>khóa</a:t>
+            </a:r>
+            <a:r>
+              <a:rPr lang="en-US" sz="1600" dirty="0" smtClean="0">
+                <a:solidFill>
+                  <a:schemeClr val="bg1"/>
+                </a:solidFill>
+              </a:rPr>
+              <a:t> </a:t>
+            </a:r>
+            <a:r>
+              <a:rPr lang="en-US" sz="1600" dirty="0" err="1" smtClean="0">
+                <a:solidFill>
+                  <a:schemeClr val="bg1"/>
+                </a:solidFill>
+              </a:rPr>
+              <a:t>ngoại</a:t>
+            </a:r>
+            <a:endParaRPr lang="en-US" sz="1600" dirty="0">
+              <a:solidFill>
+                <a:schemeClr val="bg1"/>
+              </a:solidFill>
+            </a:endParaRPr>
+          </a:p>
+        </p:txBody>
+      </p:sp>
+      <p:sp>
+        <p:nvSpPr>
+          <p:cNvPr id="5" name="Title 4"/>
+          <p:cNvSpPr>
+            <a:spLocks noGrp="1"/>
+          </p:cNvSpPr>
+          <p:nvPr>
+            <p:ph type="title"/>
+          </p:nvPr>
+        </p:nvSpPr>
+        <p:spPr/>
+        <p:txBody>
+          <a:bodyPr/>
+          <a:lstStyle/>
+          <a:p>
+            <a:r>
+              <a:rPr lang="en-US" dirty="0" smtClean="0"/>
+              <a:t>Summary</a:t>
+            </a:r>
+            <a:endParaRPr lang="en-US" dirty="0"/>
+          </a:p>
+        </p:txBody>
+      </p:sp>
+      <p:sp>
+        <p:nvSpPr>
+          <p:cNvPr id="6" name="Text Placeholder 5"/>
+          <p:cNvSpPr>
+            <a:spLocks noGrp="1"/>
+          </p:cNvSpPr>
+          <p:nvPr>
+            <p:ph type="body" sz="quarter" idx="10"/>
+          </p:nvPr>
+        </p:nvSpPr>
+        <p:spPr/>
+        <p:txBody>
+          <a:bodyPr/>
+          <a:lstStyle/>
+          <a:p>
+            <a:r>
+              <a:rPr lang="en-US" dirty="0" err="1" smtClean="0"/>
+              <a:t>Tổng</a:t>
+            </a:r>
+            <a:r>
+              <a:rPr lang="en-US" dirty="0" smtClean="0"/>
+              <a:t> </a:t>
+            </a:r>
+            <a:r>
+              <a:rPr lang="en-US" dirty="0" err="1" smtClean="0"/>
+              <a:t>kết</a:t>
+            </a:r>
+            <a:r>
+              <a:rPr lang="en-US" dirty="0" smtClean="0"/>
+              <a:t> </a:t>
+            </a:r>
+            <a:r>
+              <a:rPr lang="en-US" dirty="0" err="1" smtClean="0"/>
+              <a:t>lại</a:t>
+            </a:r>
+            <a:r>
+              <a:rPr lang="en-US" dirty="0" smtClean="0"/>
+              <a:t> </a:t>
+            </a:r>
+            <a:r>
+              <a:rPr lang="en-US" dirty="0" err="1" smtClean="0"/>
+              <a:t>kiến</a:t>
+            </a:r>
+            <a:r>
+              <a:rPr lang="en-US" dirty="0" smtClean="0"/>
+              <a:t> </a:t>
+            </a:r>
+            <a:r>
+              <a:rPr lang="en-US" dirty="0" err="1" smtClean="0"/>
+              <a:t>thức</a:t>
+            </a:r>
+            <a:r>
+              <a:rPr lang="en-US" dirty="0" smtClean="0"/>
+              <a:t> </a:t>
+            </a:r>
+            <a:r>
+              <a:rPr lang="en-US" dirty="0" err="1" smtClean="0"/>
+              <a:t>cần</a:t>
+            </a:r>
+            <a:r>
+              <a:rPr lang="en-US" dirty="0" smtClean="0"/>
+              <a:t> </a:t>
+            </a:r>
+            <a:r>
+              <a:rPr lang="en-US" dirty="0" err="1" smtClean="0"/>
+              <a:t>nắm</a:t>
+            </a:r>
+            <a:endParaRPr lang="en-US" dirty="0"/>
+          </a:p>
+        </p:txBody>
+      </p:sp>
+      <p:sp>
+        <p:nvSpPr>
+          <p:cNvPr id="38" name="Rounded Rectangle 37"/>
+          <p:cNvSpPr/>
+          <p:nvPr/>
+        </p:nvSpPr>
+        <p:spPr>
+          <a:xfrm>
+            <a:off x="905345" y="5041764"/>
+            <a:ext cx="350005" cy="350005"/>
+          </a:xfrm>
+          <a:prstGeom prst="roundRect">
+            <a:avLst/>
+          </a:prstGeom>
+          <a:solidFill>
+            <a:schemeClr val="bg1"/>
+          </a:solidFill>
+        </p:spPr>
+        <p:style>
+          <a:lnRef idx="2">
+            <a:schemeClr val="accent1">
+              <a:shade val="50000"/>
+            </a:schemeClr>
+          </a:lnRef>
+          <a:fillRef idx="1">
+            <a:schemeClr val="accent1"/>
+          </a:fillRef>
+          <a:effectRef idx="0">
+            <a:schemeClr val="accent1"/>
+          </a:effectRef>
+          <a:fontRef idx="minor">
+            <a:schemeClr val="lt1"/>
+          </a:fontRef>
+        </p:style>
+        <p:txBody>
+          <a:bodyPr rtlCol="0" anchor="ctr"/>
+          <a:lstStyle/>
+          <a:p>
+            <a:pPr algn="ctr"/>
+            <a:r>
+              <a:rPr lang="en-US" b="1" dirty="0" smtClean="0">
+                <a:solidFill>
+                  <a:schemeClr val="accent5">
+                    <a:lumMod val="75000"/>
+                  </a:schemeClr>
+                </a:solidFill>
+              </a:rPr>
+              <a:t>4</a:t>
+            </a:r>
+            <a:endParaRPr lang="en-US" b="1" dirty="0">
+              <a:solidFill>
+                <a:schemeClr val="accent5">
+                  <a:lumMod val="75000"/>
+                </a:schemeClr>
+              </a:solidFill>
+            </a:endParaRPr>
+          </a:p>
+        </p:txBody>
+      </p:sp>
+      <p:sp>
+        <p:nvSpPr>
+          <p:cNvPr id="39" name="TextBox 38"/>
+          <p:cNvSpPr txBox="1"/>
+          <p:nvPr/>
+        </p:nvSpPr>
+        <p:spPr>
+          <a:xfrm>
+            <a:off x="1318725" y="5041764"/>
+            <a:ext cx="6919928" cy="338554"/>
+          </a:xfrm>
+          <a:prstGeom prst="rect">
+            <a:avLst/>
+          </a:prstGeom>
+          <a:noFill/>
+        </p:spPr>
+        <p:txBody>
+          <a:bodyPr wrap="square" rtlCol="0">
+            <a:spAutoFit/>
+          </a:bodyPr>
+          <a:lstStyle/>
+          <a:p>
+            <a:r>
+              <a:rPr lang="en-US" sz="1600" dirty="0" err="1" smtClean="0">
+                <a:solidFill>
+                  <a:schemeClr val="bg1"/>
+                </a:solidFill>
+              </a:rPr>
+              <a:t>Hiểu</a:t>
+            </a:r>
+            <a:r>
+              <a:rPr lang="en-US" sz="1600" dirty="0" smtClean="0">
+                <a:solidFill>
+                  <a:schemeClr val="bg1"/>
+                </a:solidFill>
+              </a:rPr>
+              <a:t> </a:t>
+            </a:r>
+            <a:r>
+              <a:rPr lang="en-US" sz="1600" dirty="0" err="1" smtClean="0">
+                <a:solidFill>
+                  <a:schemeClr val="bg1"/>
+                </a:solidFill>
+              </a:rPr>
+              <a:t>được</a:t>
+            </a:r>
+            <a:r>
+              <a:rPr lang="en-US" sz="1600" dirty="0" smtClean="0">
+                <a:solidFill>
+                  <a:schemeClr val="bg1"/>
+                </a:solidFill>
+              </a:rPr>
+              <a:t> </a:t>
+            </a:r>
+            <a:r>
+              <a:rPr lang="en-US" sz="1600" dirty="0" err="1" smtClean="0">
+                <a:solidFill>
+                  <a:schemeClr val="bg1"/>
+                </a:solidFill>
+              </a:rPr>
+              <a:t>các</a:t>
+            </a:r>
+            <a:r>
+              <a:rPr lang="en-US" sz="1600" dirty="0" smtClean="0">
+                <a:solidFill>
+                  <a:schemeClr val="bg1"/>
+                </a:solidFill>
+              </a:rPr>
+              <a:t> constraint </a:t>
+            </a:r>
+            <a:r>
+              <a:rPr lang="en-US" sz="1600" dirty="0" err="1" smtClean="0">
+                <a:solidFill>
+                  <a:schemeClr val="bg1"/>
+                </a:solidFill>
+              </a:rPr>
+              <a:t>như</a:t>
+            </a:r>
+            <a:r>
+              <a:rPr lang="en-US" sz="1600" dirty="0" smtClean="0">
+                <a:solidFill>
+                  <a:schemeClr val="bg1"/>
+                </a:solidFill>
+              </a:rPr>
+              <a:t> Check, Unique, Not Null</a:t>
+            </a:r>
+            <a:endParaRPr lang="en-US" sz="1600" dirty="0">
+              <a:solidFill>
+                <a:schemeClr val="bg1"/>
+              </a:solidFill>
+            </a:endParaRPr>
+          </a:p>
+        </p:txBody>
+      </p:sp>
+    </p:spTree>
+    <p:extLst>
+      <p:ext uri="{BB962C8B-B14F-4D97-AF65-F5344CB8AC3E}">
+        <p14:creationId xmlns:p14="http://schemas.microsoft.com/office/powerpoint/2010/main" val="2219665080"/>
       </p:ext>
     </p:extLst>
   </p:cSld>
@@ -30928,7 +31991,6 @@
               <a:rPr lang="en-US" b="1" dirty="0"/>
               <a:t>2</a:t>
             </a:r>
-            <a:endParaRPr lang="en-US" b="1" dirty="0"/>
           </a:p>
         </p:txBody>
       </p:sp>
@@ -31159,13 +32221,6 @@
               </a:rPr>
               <a:t>nhiều hàng trong bảng B, nhưng một hàng trong bảng B chỉ liên kết với một hàng trong bảng A</a:t>
             </a:r>
-            <a:endParaRPr lang="vi-VN" sz="1600" dirty="0">
-              <a:solidFill>
-                <a:schemeClr val="accent5">
-                  <a:lumMod val="75000"/>
-                </a:schemeClr>
-              </a:solidFill>
-            </a:endParaRPr>
           </a:p>
         </p:txBody>
       </p:sp>

--- a/01.Lessions/03-Database-Design-Concept/03-Database-Design-Concept.pptx
+++ b/01.Lessions/03-Database-Design-Concept/03-Database-Design-Concept.pptx
@@ -990,7 +990,7 @@
           <a:p>
             <a:fld id="{C764DE79-268F-4C1A-8933-263129D2AF90}" type="datetimeFigureOut">
               <a:rPr lang="en-US" dirty="0"/>
-              <a:t>11/14/2023</a:t>
+              <a:t>11/23/2023</a:t>
             </a:fld>
             <a:endParaRPr lang="en-US" dirty="0"/>
           </a:p>
@@ -26144,6 +26144,16 @@
               <a:t>của</a:t>
             </a:r>
             <a:r>
+              <a:rPr lang="en-US" b="1" smtClean="0">
+                <a:solidFill>
+                  <a:schemeClr val="accent5">
+                    <a:lumMod val="75000"/>
+                  </a:schemeClr>
+                </a:solidFill>
+              </a:rPr>
+              <a:t> Database </a:t>
+            </a:r>
+            <a:r>
               <a:rPr lang="en-US" b="1" dirty="0" smtClean="0">
                 <a:solidFill>
                   <a:schemeClr val="accent5">
@@ -26151,27 +26161,7 @@
                   </a:schemeClr>
                 </a:solidFill>
               </a:rPr>
-              <a:t> </a:t>
-            </a:r>
-            <a:r>
-              <a:rPr lang="en-US" b="1" dirty="0" err="1" smtClean="0">
-                <a:solidFill>
-                  <a:schemeClr val="accent5">
-                    <a:lumMod val="75000"/>
-                  </a:schemeClr>
-                </a:solidFill>
-              </a:rPr>
-              <a:t>Databse</a:t>
-            </a:r>
-            <a:r>
-              <a:rPr lang="en-US" b="1" dirty="0" smtClean="0">
-                <a:solidFill>
-                  <a:schemeClr val="accent5">
-                    <a:lumMod val="75000"/>
-                  </a:schemeClr>
-                </a:solidFill>
-              </a:rPr>
-              <a:t> Design</a:t>
+              <a:t>Design</a:t>
             </a:r>
             <a:endParaRPr lang="en-US" b="1" dirty="0">
               <a:solidFill>
